--- a/presentation_final_paper/PowerPoint.pptx
+++ b/presentation_final_paper/PowerPoint.pptx
@@ -193,7 +193,7 @@
 <file path=ppt/revisionInfo.xml><?xml version="1.0" encoding="utf-8"?>
 <p1510:revInfo xmlns:a="http://schemas.openxmlformats.org/drawingml/2006/main" xmlns:r="http://schemas.openxmlformats.org/officeDocument/2006/relationships" xmlns:p1510="http://schemas.microsoft.com/office/powerpoint/2015/10/main">
   <p1510:revLst>
-    <p1510:client id="{F944C92B-04B7-4239-AB78-9447E684F371}" v="228" dt="2025-05-16T05:28:53.119"/>
+    <p1510:client id="{F944C92B-04B7-4239-AB78-9447E684F371}" v="230" dt="2025-05-16T07:19:13.996"/>
   </p1510:revLst>
 </p1510:revInfo>
 </file>
@@ -203,7 +203,7 @@
   <pc:docChgLst>
     <pc:chgData name="James Chapman" userId="3c8adc9b184aeb7d" providerId="LiveId" clId="{F944C92B-04B7-4239-AB78-9447E684F371}"/>
     <pc:docChg chg="undo redo custSel addSld delSld modSld sldOrd">
-      <pc:chgData name="James Chapman" userId="3c8adc9b184aeb7d" providerId="LiveId" clId="{F944C92B-04B7-4239-AB78-9447E684F371}" dt="2025-05-16T05:29:37.671" v="3790" actId="20577"/>
+      <pc:chgData name="James Chapman" userId="3c8adc9b184aeb7d" providerId="LiveId" clId="{F944C92B-04B7-4239-AB78-9447E684F371}" dt="2025-05-16T07:20:25.417" v="3798" actId="20577"/>
       <pc:docMkLst>
         <pc:docMk/>
       </pc:docMkLst>
@@ -299,13 +299,13 @@
         </pc:sldMkLst>
       </pc:sldChg>
       <pc:sldChg chg="modSp mod">
-        <pc:chgData name="James Chapman" userId="3c8adc9b184aeb7d" providerId="LiveId" clId="{F944C92B-04B7-4239-AB78-9447E684F371}" dt="2025-05-16T05:18:27.417" v="3354" actId="20577"/>
+        <pc:chgData name="James Chapman" userId="3c8adc9b184aeb7d" providerId="LiveId" clId="{F944C92B-04B7-4239-AB78-9447E684F371}" dt="2025-05-16T07:19:13.994" v="3792" actId="1076"/>
         <pc:sldMkLst>
           <pc:docMk/>
           <pc:sldMk cId="1354919598" sldId="303"/>
         </pc:sldMkLst>
         <pc:spChg chg="mod">
-          <ac:chgData name="James Chapman" userId="3c8adc9b184aeb7d" providerId="LiveId" clId="{F944C92B-04B7-4239-AB78-9447E684F371}" dt="2025-05-16T05:18:27.417" v="3354" actId="20577"/>
+          <ac:chgData name="James Chapman" userId="3c8adc9b184aeb7d" providerId="LiveId" clId="{F944C92B-04B7-4239-AB78-9447E684F371}" dt="2025-05-16T07:19:13.994" v="3792" actId="1076"/>
           <ac:spMkLst>
             <pc:docMk/>
             <pc:sldMk cId="1354919598" sldId="303"/>
@@ -313,7 +313,7 @@
           </ac:spMkLst>
         </pc:spChg>
         <pc:spChg chg="mod">
-          <ac:chgData name="James Chapman" userId="3c8adc9b184aeb7d" providerId="LiveId" clId="{F944C92B-04B7-4239-AB78-9447E684F371}" dt="2025-05-16T05:18:22.863" v="3351" actId="1076"/>
+          <ac:chgData name="James Chapman" userId="3c8adc9b184aeb7d" providerId="LiveId" clId="{F944C92B-04B7-4239-AB78-9447E684F371}" dt="2025-05-16T07:19:07.121" v="3791" actId="1076"/>
           <ac:spMkLst>
             <pc:docMk/>
             <pc:sldMk cId="1354919598" sldId="303"/>
@@ -1102,13 +1102,13 @@
         </pc:sldMkLst>
       </pc:sldChg>
       <pc:sldChg chg="modSp add del mod">
-        <pc:chgData name="James Chapman" userId="3c8adc9b184aeb7d" providerId="LiveId" clId="{F944C92B-04B7-4239-AB78-9447E684F371}" dt="2025-05-16T04:24:32.876" v="2250" actId="20577"/>
+        <pc:chgData name="James Chapman" userId="3c8adc9b184aeb7d" providerId="LiveId" clId="{F944C92B-04B7-4239-AB78-9447E684F371}" dt="2025-05-16T07:20:25.417" v="3798" actId="20577"/>
         <pc:sldMkLst>
           <pc:docMk/>
           <pc:sldMk cId="2630571630" sldId="380"/>
         </pc:sldMkLst>
         <pc:spChg chg="mod">
-          <ac:chgData name="James Chapman" userId="3c8adc9b184aeb7d" providerId="LiveId" clId="{F944C92B-04B7-4239-AB78-9447E684F371}" dt="2025-05-16T04:24:32.876" v="2250" actId="20577"/>
+          <ac:chgData name="James Chapman" userId="3c8adc9b184aeb7d" providerId="LiveId" clId="{F944C92B-04B7-4239-AB78-9447E684F371}" dt="2025-05-16T07:20:25.417" v="3798" actId="20577"/>
           <ac:spMkLst>
             <pc:docMk/>
             <pc:sldMk cId="2630571630" sldId="380"/>
@@ -3860,7 +3860,7 @@
           <a:p>
             <a:fld id="{D7A1C315-7A06-4230-B1F5-BB57CC5EA0FD}" type="datetimeFigureOut">
               <a:rPr lang="en-US" smtClean="0"/>
-              <a:t>5/14/2025</a:t>
+              <a:t>5/16/2025</a:t>
             </a:fld>
             <a:endParaRPr lang="en-US"/>
           </a:p>
@@ -4210,7 +4210,7 @@
           <a:p>
             <a:fld id="{EE997100-1A82-466E-990F-506ED9665CA8}" type="datetimeFigureOut">
               <a:rPr lang="en-US" smtClean="0"/>
-              <a:t>5/14/2025</a:t>
+              <a:t>5/15/2025</a:t>
             </a:fld>
             <a:endParaRPr lang="en-US"/>
           </a:p>
@@ -6353,7 +6353,7 @@
           <a:p>
             <a:fld id="{EA10C001-7378-4DAD-9F44-DC6AA92FE8CF}" type="datetime1">
               <a:rPr lang="en-US" altLang="en-US" smtClean="0"/>
-              <a:t>5/14/2025</a:t>
+              <a:t>5/15/2025</a:t>
             </a:fld>
             <a:endParaRPr lang="en-US" altLang="en-US"/>
           </a:p>
@@ -6541,7 +6541,7 @@
           <a:p>
             <a:fld id="{10814916-2284-4DC6-85F3-E9D769B30417}" type="datetime1">
               <a:rPr lang="en-US" altLang="en-US" smtClean="0"/>
-              <a:t>5/14/2025</a:t>
+              <a:t>5/15/2025</a:t>
             </a:fld>
             <a:endParaRPr lang="en-US" altLang="en-US"/>
           </a:p>
@@ -6797,7 +6797,7 @@
           <a:p>
             <a:fld id="{A063EDB7-6E96-468D-98AD-385D8C1330C6}" type="datetime1">
               <a:rPr lang="en-US" altLang="en-US" smtClean="0"/>
-              <a:t>5/14/2025</a:t>
+              <a:t>5/15/2025</a:t>
             </a:fld>
             <a:endParaRPr lang="en-US" altLang="en-US"/>
           </a:p>
@@ -7078,7 +7078,7 @@
           <a:p>
             <a:fld id="{E50E5C25-56AA-4438-AD6E-26640E642245}" type="datetime1">
               <a:rPr lang="en-US" altLang="en-US" smtClean="0"/>
-              <a:t>5/14/2025</a:t>
+              <a:t>5/15/2025</a:t>
             </a:fld>
             <a:endParaRPr lang="en-US" altLang="en-US"/>
           </a:p>
@@ -7219,7 +7219,7 @@
           <a:p>
             <a:fld id="{67F32251-6916-45C2-A272-6283A0536015}" type="datetime1">
               <a:rPr lang="en-US" altLang="en-US" smtClean="0"/>
-              <a:t>5/14/2025</a:t>
+              <a:t>5/15/2025</a:t>
             </a:fld>
             <a:endParaRPr lang="en-US" altLang="en-US"/>
           </a:p>
@@ -7432,7 +7432,7 @@
           <a:p>
             <a:fld id="{1EC02D62-401F-4E79-A959-973DD4C4BB88}" type="datetime1">
               <a:rPr lang="en-US" altLang="en-US" smtClean="0"/>
-              <a:t>5/14/2025</a:t>
+              <a:t>5/15/2025</a:t>
             </a:fld>
             <a:endParaRPr lang="en-US" altLang="en-US"/>
           </a:p>
@@ -7685,7 +7685,7 @@
           <a:p>
             <a:fld id="{DC4C5EDA-51DA-4F30-9D87-867196E31CA7}" type="datetime1">
               <a:rPr lang="en-US" altLang="en-US" smtClean="0"/>
-              <a:t>5/14/2025</a:t>
+              <a:t>5/15/2025</a:t>
             </a:fld>
             <a:endParaRPr lang="en-US" altLang="en-US"/>
           </a:p>
@@ -8092,7 +8092,7 @@
           <a:p>
             <a:fld id="{D2012CD1-D44A-4319-A627-10B0DDD5EB0B}" type="datetime1">
               <a:rPr lang="en-US" altLang="en-US" smtClean="0"/>
-              <a:t>5/14/2025</a:t>
+              <a:t>5/15/2025</a:t>
             </a:fld>
             <a:endParaRPr lang="en-US" altLang="en-US"/>
           </a:p>
@@ -8262,7 +8262,7 @@
           <a:p>
             <a:fld id="{44FE3290-3C8F-4E6C-AC44-105D50CA132B}" type="datetime1">
               <a:rPr lang="en-US" altLang="en-US" smtClean="0"/>
-              <a:t>5/14/2025</a:t>
+              <a:t>5/15/2025</a:t>
             </a:fld>
             <a:endParaRPr lang="en-US" altLang="en-US"/>
           </a:p>
@@ -8325,7 +8325,7 @@
           <a:p>
             <a:fld id="{B5A37BB2-08EF-48DB-B15F-3284930E03D6}" type="datetime1">
               <a:rPr lang="en-US" altLang="en-US" smtClean="0"/>
-              <a:t>5/14/2025</a:t>
+              <a:t>5/15/2025</a:t>
             </a:fld>
             <a:endParaRPr lang="en-US" altLang="en-US"/>
           </a:p>
@@ -8580,7 +8580,7 @@
           <a:p>
             <a:fld id="{A7E9E4C9-05D0-4299-8997-4155B0A825E6}" type="datetime1">
               <a:rPr lang="en-US" altLang="en-US" smtClean="0"/>
-              <a:t>5/14/2025</a:t>
+              <a:t>5/15/2025</a:t>
             </a:fld>
             <a:endParaRPr lang="en-US" altLang="en-US"/>
           </a:p>
@@ -8734,7 +8734,7 @@
           <a:p>
             <a:fld id="{90A0E91D-AA81-4926-9A54-B28918612F01}" type="datetime1">
               <a:rPr lang="en-US" altLang="en-US" smtClean="0"/>
-              <a:t>5/14/2025</a:t>
+              <a:t>5/15/2025</a:t>
             </a:fld>
             <a:endParaRPr lang="en-US" altLang="en-US"/>
           </a:p>
@@ -9026,7 +9026,7 @@
           <a:p>
             <a:fld id="{D717D05F-7A65-46D0-979F-093BDE2DBDEF}" type="datetime1">
               <a:rPr lang="en-US" altLang="en-US" smtClean="0"/>
-              <a:t>5/14/2025</a:t>
+              <a:t>5/15/2025</a:t>
             </a:fld>
             <a:endParaRPr lang="en-US" altLang="en-US"/>
           </a:p>
@@ -9188,7 +9188,7 @@
           <a:p>
             <a:fld id="{55DF9BD9-DAFE-4A80-A823-DFF01A0C119F}" type="datetime1">
               <a:rPr lang="en-US" altLang="en-US" smtClean="0"/>
-              <a:t>5/14/2025</a:t>
+              <a:t>5/15/2025</a:t>
             </a:fld>
             <a:endParaRPr lang="en-US" altLang="en-US"/>
           </a:p>
@@ -9338,7 +9338,7 @@
           <a:p>
             <a:fld id="{477543E7-97B5-4574-B373-7D0521B8F418}" type="datetime1">
               <a:rPr lang="en-US" altLang="en-US" smtClean="0"/>
-              <a:t>5/14/2025</a:t>
+              <a:t>5/15/2025</a:t>
             </a:fld>
             <a:endParaRPr lang="en-US" altLang="en-US"/>
           </a:p>
@@ -9551,7 +9551,7 @@
           <a:p>
             <a:fld id="{47F791DC-7B58-46F7-A1B0-D56EEA83221C}" type="datetime1">
               <a:rPr lang="en-US" altLang="en-US" smtClean="0"/>
-              <a:t>5/14/2025</a:t>
+              <a:t>5/15/2025</a:t>
             </a:fld>
             <a:endParaRPr lang="en-US" altLang="en-US"/>
           </a:p>
@@ -9851,7 +9851,7 @@
           <a:p>
             <a:fld id="{CEBF0440-8247-4136-97B9-8B41AA6C8536}" type="datetime1">
               <a:rPr lang="en-US" altLang="en-US" smtClean="0"/>
-              <a:t>5/14/2025</a:t>
+              <a:t>5/15/2025</a:t>
             </a:fld>
             <a:endParaRPr lang="en-US" altLang="en-US"/>
           </a:p>
@@ -10322,7 +10322,7 @@
           <a:p>
             <a:fld id="{5B8244A5-54A8-4791-B32E-AD96B9812175}" type="datetime1">
               <a:rPr lang="en-US" altLang="en-US" smtClean="0"/>
-              <a:t>5/14/2025</a:t>
+              <a:t>5/15/2025</a:t>
             </a:fld>
             <a:endParaRPr lang="en-US" altLang="en-US"/>
           </a:p>
@@ -10495,7 +10495,7 @@
           <a:p>
             <a:fld id="{75D2BB9B-578B-4216-8B17-0AE947C5976D}" type="datetime1">
               <a:rPr lang="en-US" altLang="en-US" smtClean="0"/>
-              <a:t>5/14/2025</a:t>
+              <a:t>5/15/2025</a:t>
             </a:fld>
             <a:endParaRPr lang="en-US" altLang="en-US"/>
           </a:p>
@@ -10668,7 +10668,7 @@
           <a:p>
             <a:fld id="{D3F7117F-74BD-4C0E-95BB-065470FB80E4}" type="datetime1">
               <a:rPr lang="en-US" altLang="en-US" smtClean="0"/>
-              <a:t>5/14/2025</a:t>
+              <a:t>5/15/2025</a:t>
             </a:fld>
             <a:endParaRPr lang="en-US" altLang="en-US"/>
           </a:p>
@@ -10980,7 +10980,7 @@
           <a:p>
             <a:fld id="{0B6DCB02-C3ED-439B-9BC5-8A766F38DD0C}" type="datetime1">
               <a:rPr lang="en-US" altLang="en-US" smtClean="0"/>
-              <a:t>5/14/2025</a:t>
+              <a:t>5/15/2025</a:t>
             </a:fld>
             <a:endParaRPr lang="en-US" altLang="en-US"/>
           </a:p>
@@ -11279,7 +11279,7 @@
           <a:p>
             <a:fld id="{7BEF7774-06E3-4B6E-A02C-0698D9521A63}" type="datetime1">
               <a:rPr lang="en-US" altLang="en-US" smtClean="0"/>
-              <a:t>5/14/2025</a:t>
+              <a:t>5/15/2025</a:t>
             </a:fld>
             <a:endParaRPr lang="en-US" altLang="en-US"/>
           </a:p>
@@ -11595,7 +11595,7 @@
           <a:p>
             <a:fld id="{DB56B676-FD35-4A81-AE7E-A88C163C26B0}" type="datetime1">
               <a:rPr lang="en-US" altLang="en-US" smtClean="0"/>
-              <a:t>5/14/2025</a:t>
+              <a:t>5/15/2025</a:t>
             </a:fld>
             <a:endParaRPr lang="en-US" altLang="en-US"/>
           </a:p>
@@ -12352,7 +12352,7 @@
           <a:p>
             <a:fld id="{4A7B1C05-EA21-4143-BF9B-5A7AE622790B}" type="datetime1">
               <a:rPr lang="en-US" altLang="en-US" smtClean="0"/>
-              <a:t>5/14/2025</a:t>
+              <a:t>5/15/2025</a:t>
             </a:fld>
             <a:endParaRPr lang="en-US" altLang="en-US"/>
           </a:p>
@@ -21118,7 +21118,7 @@
         </p:nvSpPr>
         <p:spPr>
           <a:xfrm>
-            <a:off x="891540" y="182880"/>
+            <a:off x="1291590" y="182880"/>
             <a:ext cx="7637929" cy="548640"/>
           </a:xfrm>
         </p:spPr>
@@ -21149,7 +21149,7 @@
         </p:nvSpPr>
         <p:spPr bwMode="auto">
           <a:xfrm>
-            <a:off x="2059368" y="780188"/>
+            <a:off x="1765998" y="731520"/>
             <a:ext cx="7564692" cy="3833656"/>
           </a:xfrm>
           <a:prstGeom prst="rect">
@@ -24349,8 +24349,8 @@
           </a:p>
         </p:txBody>
       </p:sp>
-      <mc:AlternateContent xmlns:mc="http://schemas.openxmlformats.org/markup-compatibility/2006">
-        <mc:Choice xmlns:p14="http://schemas.microsoft.com/office/powerpoint/2010/main" Requires="p14">
+      <mc:AlternateContent xmlns:mc="http://schemas.openxmlformats.org/markup-compatibility/2006" xmlns:p14="http://schemas.microsoft.com/office/powerpoint/2010/main">
+        <mc:Choice Requires="p14">
           <p:contentPart p14:bwMode="auto" r:id="rId2">
             <p14:nvContentPartPr>
               <p14:cNvPr id="9" name="Ink 8">
@@ -24369,7 +24369,7 @@
             </p14:xfrm>
           </p:contentPart>
         </mc:Choice>
-        <mc:Fallback>
+        <mc:Fallback xmlns="">
           <p:pic>
             <p:nvPicPr>
               <p:cNvPr id="9" name="Ink 8">
@@ -24467,8 +24467,8 @@
             </a:extLst>
           </p:spPr>
         </p:pic>
-        <mc:AlternateContent xmlns:mc="http://schemas.openxmlformats.org/markup-compatibility/2006">
-          <mc:Choice xmlns:p14="http://schemas.microsoft.com/office/powerpoint/2010/main" Requires="p14">
+        <mc:AlternateContent xmlns:mc="http://schemas.openxmlformats.org/markup-compatibility/2006" xmlns:p14="http://schemas.microsoft.com/office/powerpoint/2010/main">
+          <mc:Choice Requires="p14">
             <p:contentPart p14:bwMode="auto" r:id="rId5">
               <p14:nvContentPartPr>
                 <p14:cNvPr id="8" name="Ink 7">
@@ -24487,7 +24487,7 @@
               </p14:xfrm>
             </p:contentPart>
           </mc:Choice>
-          <mc:Fallback>
+          <mc:Fallback xmlns="">
             <p:pic>
               <p:nvPicPr>
                 <p:cNvPr id="8" name="Ink 7">
@@ -24518,8 +24518,8 @@
             </p:pic>
           </mc:Fallback>
         </mc:AlternateContent>
-        <mc:AlternateContent xmlns:mc="http://schemas.openxmlformats.org/markup-compatibility/2006">
-          <mc:Choice xmlns:p14="http://schemas.microsoft.com/office/powerpoint/2010/main" Requires="p14">
+        <mc:AlternateContent xmlns:mc="http://schemas.openxmlformats.org/markup-compatibility/2006" xmlns:p14="http://schemas.microsoft.com/office/powerpoint/2010/main">
+          <mc:Choice Requires="p14">
             <p:contentPart p14:bwMode="auto" r:id="rId7">
               <p14:nvContentPartPr>
                 <p14:cNvPr id="14" name="Ink 13">
@@ -24538,7 +24538,7 @@
               </p14:xfrm>
             </p:contentPart>
           </mc:Choice>
-          <mc:Fallback>
+          <mc:Fallback xmlns="">
             <p:pic>
               <p:nvPicPr>
                 <p:cNvPr id="14" name="Ink 13">
@@ -24569,8 +24569,8 @@
             </p:pic>
           </mc:Fallback>
         </mc:AlternateContent>
-        <mc:AlternateContent xmlns:mc="http://schemas.openxmlformats.org/markup-compatibility/2006">
-          <mc:Choice xmlns:p14="http://schemas.microsoft.com/office/powerpoint/2010/main" Requires="p14">
+        <mc:AlternateContent xmlns:mc="http://schemas.openxmlformats.org/markup-compatibility/2006" xmlns:p14="http://schemas.microsoft.com/office/powerpoint/2010/main">
+          <mc:Choice Requires="p14">
             <p:contentPart p14:bwMode="auto" r:id="rId9">
               <p14:nvContentPartPr>
                 <p14:cNvPr id="15" name="Ink 14">
@@ -24589,7 +24589,7 @@
               </p14:xfrm>
             </p:contentPart>
           </mc:Choice>
-          <mc:Fallback>
+          <mc:Fallback xmlns="">
             <p:pic>
               <p:nvPicPr>
                 <p:cNvPr id="15" name="Ink 14">
@@ -25083,8 +25083,8 @@
           </a:p>
         </p:txBody>
       </p:sp>
-      <mc:AlternateContent xmlns:mc="http://schemas.openxmlformats.org/markup-compatibility/2006">
-        <mc:Choice xmlns:p14="http://schemas.microsoft.com/office/powerpoint/2010/main" Requires="p14">
+      <mc:AlternateContent xmlns:mc="http://schemas.openxmlformats.org/markup-compatibility/2006" xmlns:p14="http://schemas.microsoft.com/office/powerpoint/2010/main">
+        <mc:Choice Requires="p14">
           <p:contentPart p14:bwMode="auto" r:id="rId2">
             <p14:nvContentPartPr>
               <p14:cNvPr id="9" name="Ink 8">
@@ -25103,7 +25103,7 @@
             </p14:xfrm>
           </p:contentPart>
         </mc:Choice>
-        <mc:Fallback>
+        <mc:Fallback xmlns="">
           <p:pic>
             <p:nvPicPr>
               <p:cNvPr id="9" name="Ink 8">
@@ -25557,8 +25557,8 @@
           </a:p>
         </p:txBody>
       </p:sp>
-      <mc:AlternateContent xmlns:mc="http://schemas.openxmlformats.org/markup-compatibility/2006">
-        <mc:Choice xmlns:p14="http://schemas.microsoft.com/office/powerpoint/2010/main" Requires="p14">
+      <mc:AlternateContent xmlns:mc="http://schemas.openxmlformats.org/markup-compatibility/2006" xmlns:p14="http://schemas.microsoft.com/office/powerpoint/2010/main">
+        <mc:Choice Requires="p14">
           <p:contentPart p14:bwMode="auto" r:id="rId2">
             <p14:nvContentPartPr>
               <p14:cNvPr id="9" name="Ink 8">
@@ -25577,7 +25577,7 @@
             </p14:xfrm>
           </p:contentPart>
         </mc:Choice>
-        <mc:Fallback>
+        <mc:Fallback xmlns="">
           <p:pic>
             <p:nvPicPr>
               <p:cNvPr id="9" name="Ink 8">
@@ -27580,9 +27580,10 @@
           </a:lstStyle>
           <a:p>
             <a:r>
-              <a:rPr lang="en-US" sz="2400" dirty="0"/>
-              <a:t>Twitter</a:t>
-            </a:r>
+              <a:rPr lang="en-US" sz="2400"/>
+              <a:t>X (Twitter)</a:t>
+            </a:r>
+            <a:endParaRPr lang="en-US" sz="2400" dirty="0"/>
           </a:p>
           <a:p>
             <a:r>
@@ -31500,6 +31501,15 @@
 </file>
 
 <file path=customXml/item2.xml><?xml version="1.0" encoding="utf-8"?>
+<?mso-contentType ?>
+<FormTemplates xmlns="http://schemas.microsoft.com/sharepoint/v3/contenttype/forms">
+  <Display>DocumentLibraryForm</Display>
+  <Edit>DocumentLibraryForm</Edit>
+  <New>DocumentLibraryForm</New>
+</FormTemplates>
+</file>
+
+<file path=customXml/item3.xml><?xml version="1.0" encoding="utf-8"?>
 <ct:contentTypeSchema xmlns:ct="http://schemas.microsoft.com/office/2006/metadata/contentType" xmlns:ma="http://schemas.microsoft.com/office/2006/metadata/properties/metaAttributes" ct:_="" ma:_="" ma:contentTypeName="Document" ma:contentTypeID="0x0101000DE64AEEDD9B7A4D93545ACBE97D4615" ma:contentTypeVersion="2" ma:contentTypeDescription="Create a new document." ma:contentTypeScope="" ma:versionID="f49002b78e3a4a71b814eef46a983816">
   <xsd:schema xmlns:xsd="http://www.w3.org/2001/XMLSchema" xmlns:xs="http://www.w3.org/2001/XMLSchema" xmlns:p="http://schemas.microsoft.com/office/2006/metadata/properties" xmlns:ns2="http://schemas.microsoft.com/sharepoint/v3/fields" targetNamespace="http://schemas.microsoft.com/office/2006/metadata/properties" ma:root="true" ma:fieldsID="38f6db2dd0d9a0cf6a8dc37be32b365b" ns2:_="">
     <xsd:import namespace="http://schemas.microsoft.com/sharepoint/v3/fields"/>
@@ -31643,15 +31653,6 @@
 </ct:contentTypeSchema>
 </file>
 
-<file path=customXml/item3.xml><?xml version="1.0" encoding="utf-8"?>
-<?mso-contentType ?>
-<FormTemplates xmlns="http://schemas.microsoft.com/sharepoint/v3/contenttype/forms">
-  <Display>DocumentLibraryForm</Display>
-  <Edit>DocumentLibraryForm</Edit>
-  <New>DocumentLibraryForm</New>
-</FormTemplates>
-</file>
-
 <file path=customXml/itemProps1.xml><?xml version="1.0" encoding="utf-8"?>
 <ds:datastoreItem xmlns:ds="http://schemas.openxmlformats.org/officeDocument/2006/customXml" ds:itemID="{7B6F2769-7194-4217-93D3-3AF3A4742282}">
   <ds:schemaRefs>
@@ -31663,6 +31664,14 @@
 </file>
 
 <file path=customXml/itemProps2.xml><?xml version="1.0" encoding="utf-8"?>
+<ds:datastoreItem xmlns:ds="http://schemas.openxmlformats.org/officeDocument/2006/customXml" ds:itemID="{87D2A1B0-FF3E-4009-940D-AED0EB70AA20}">
+  <ds:schemaRefs>
+    <ds:schemaRef ds:uri="http://schemas.microsoft.com/sharepoint/v3/contenttype/forms"/>
+  </ds:schemaRefs>
+</ds:datastoreItem>
+</file>
+
+<file path=customXml/itemProps3.xml><?xml version="1.0" encoding="utf-8"?>
 <ds:datastoreItem xmlns:ds="http://schemas.openxmlformats.org/officeDocument/2006/customXml" ds:itemID="{E4214858-785C-42F7-BE66-6D0E79395FC8}">
   <ds:schemaRefs>
     <ds:schemaRef ds:uri="http://schemas.microsoft.com/office/2006/metadata/contentType"/>
@@ -31678,12 +31687,4 @@
     <ds:schemaRef ds:uri="http://schemas.microsoft.com/internal/obd"/>
   </ds:schemaRefs>
 </ds:datastoreItem>
-</file>
-
-<file path=customXml/itemProps3.xml><?xml version="1.0" encoding="utf-8"?>
-<ds:datastoreItem xmlns:ds="http://schemas.openxmlformats.org/officeDocument/2006/customXml" ds:itemID="{87D2A1B0-FF3E-4009-940D-AED0EB70AA20}">
-  <ds:schemaRefs>
-    <ds:schemaRef ds:uri="http://schemas.microsoft.com/sharepoint/v3/contenttype/forms"/>
-  </ds:schemaRefs>
-</ds:datastoreItem>
 </file>